--- a/SmichovPass – prezentace.pptx
+++ b/SmichovPass – prezentace.pptx
@@ -5,16 +5,18 @@
     <p:sldMasterId id="2147483660" r:id="rId4"/>
   </p:sldMasterIdLst>
   <p:notesMasterIdLst>
-    <p:notesMasterId r:id="rId9"/>
+    <p:notesMasterId r:id="rId11"/>
   </p:notesMasterIdLst>
   <p:handoutMasterIdLst>
-    <p:handoutMasterId r:id="rId10"/>
+    <p:handoutMasterId r:id="rId12"/>
   </p:handoutMasterIdLst>
   <p:sldIdLst>
     <p:sldId id="257" r:id="rId5"/>
-    <p:sldId id="258" r:id="rId6"/>
-    <p:sldId id="259" r:id="rId7"/>
-    <p:sldId id="260" r:id="rId8"/>
+    <p:sldId id="262" r:id="rId6"/>
+    <p:sldId id="258" r:id="rId7"/>
+    <p:sldId id="259" r:id="rId8"/>
+    <p:sldId id="263" r:id="rId9"/>
+    <p:sldId id="260" r:id="rId10"/>
   </p:sldIdLst>
   <p:sldSz cx="12188825" cy="6858000"/>
   <p:notesSz cx="6858000" cy="9144000"/>
@@ -230,7 +232,7 @@
             <a:pPr algn="r" rtl="0"/>
             <a:fld id="{D92DAF1D-8F38-49AC-B404-1337A10650DD}" type="datetime1">
               <a:rPr lang="cs-CZ" smtClean="0"/>
-              <a:t>06.05.2023</a:t>
+              <a:t>17.05.2023</a:t>
             </a:fld>
             <a:endParaRPr lang="cs-CZ" dirty="0"/>
           </a:p>
@@ -400,7 +402,7 @@
             <a:fld id="{2084BE0D-C9E9-4F18-B817-2DBEF890598A}" type="datetime1">
               <a:rPr lang="cs-CZ" smtClean="0"/>
               <a:pPr/>
-              <a:t>06.05.2023</a:t>
+              <a:t>17.05.2023</a:t>
             </a:fld>
             <a:endParaRPr lang="cs-CZ" dirty="0"/>
           </a:p>
@@ -1518,7 +1520,7 @@
             <a:fld id="{933624B7-88E2-4120-AFAD-14AFCE9AD940}" type="datetime1">
               <a:rPr lang="cs-CZ" smtClean="0"/>
               <a:pPr/>
-              <a:t>06.05.2023</a:t>
+              <a:t>17.05.2023</a:t>
             </a:fld>
             <a:endParaRPr lang="cs-CZ" dirty="0"/>
           </a:p>
@@ -1727,7 +1729,7 @@
             <a:fld id="{0BBA07F0-6680-4943-BD7A-CAE075672D6F}" type="datetime1">
               <a:rPr lang="cs-CZ" smtClean="0"/>
               <a:pPr/>
-              <a:t>06.05.2023</a:t>
+              <a:t>17.05.2023</a:t>
             </a:fld>
             <a:endParaRPr lang="cs-CZ" dirty="0"/>
           </a:p>
@@ -1946,7 +1948,7 @@
             <a:fld id="{BABB6AFB-FD75-4ED4-B0A1-06DAC4B142EF}" type="datetime1">
               <a:rPr lang="cs-CZ" smtClean="0"/>
               <a:pPr/>
-              <a:t>06.05.2023</a:t>
+              <a:t>17.05.2023</a:t>
             </a:fld>
             <a:endParaRPr lang="cs-CZ" dirty="0"/>
           </a:p>
@@ -2155,7 +2157,7 @@
             <a:fld id="{0ABC4919-B29C-4171-8AC2-52CB8E2BF1DE}" type="datetime1">
               <a:rPr lang="cs-CZ" smtClean="0"/>
               <a:pPr/>
-              <a:t>06.05.2023</a:t>
+              <a:t>17.05.2023</a:t>
             </a:fld>
             <a:endParaRPr lang="cs-CZ" dirty="0"/>
           </a:p>
@@ -2595,7 +2597,7 @@
             <a:fld id="{DF32E52D-1DC2-4D1F-BE8C-CB8F7D7727B2}" type="datetime1">
               <a:rPr lang="cs-CZ" smtClean="0"/>
               <a:pPr/>
-              <a:t>06.05.2023</a:t>
+              <a:t>17.05.2023</a:t>
             </a:fld>
             <a:endParaRPr lang="cs-CZ" dirty="0"/>
           </a:p>
@@ -2909,7 +2911,7 @@
             <a:fld id="{2038EBEA-6151-4C48-8157-C296FC19C9C6}" type="datetime1">
               <a:rPr lang="cs-CZ" smtClean="0"/>
               <a:pPr/>
-              <a:t>06.05.2023</a:t>
+              <a:t>17.05.2023</a:t>
             </a:fld>
             <a:endParaRPr lang="cs-CZ" dirty="0"/>
           </a:p>
@@ -3371,7 +3373,7 @@
             <a:fld id="{CDEF4067-9867-44E1-8104-A47AAADDD6D7}" type="datetime1">
               <a:rPr lang="cs-CZ" smtClean="0"/>
               <a:pPr/>
-              <a:t>06.05.2023</a:t>
+              <a:t>17.05.2023</a:t>
             </a:fld>
             <a:endParaRPr lang="cs-CZ" dirty="0"/>
           </a:p>
@@ -3513,7 +3515,7 @@
             <a:fld id="{A8A307B0-F685-4A84-9D3C-1A601E3FC0A5}" type="datetime1">
               <a:rPr lang="cs-CZ" smtClean="0"/>
               <a:pPr/>
-              <a:t>06.05.2023</a:t>
+              <a:t>17.05.2023</a:t>
             </a:fld>
             <a:endParaRPr lang="cs-CZ" dirty="0"/>
           </a:p>
@@ -3627,7 +3629,7 @@
             <a:fld id="{0847830E-D3ED-4862-A3DA-519F54D317D1}" type="datetime1">
               <a:rPr lang="cs-CZ" smtClean="0"/>
               <a:pPr/>
-              <a:t>06.05.2023</a:t>
+              <a:t>17.05.2023</a:t>
             </a:fld>
             <a:endParaRPr lang="cs-CZ" dirty="0"/>
           </a:p>
@@ -3933,7 +3935,7 @@
             <a:fld id="{69FC2B6D-D6B4-4A07-B229-6B7F217D9BA3}" type="datetime1">
               <a:rPr lang="cs-CZ" smtClean="0"/>
               <a:pPr/>
-              <a:t>06.05.2023</a:t>
+              <a:t>17.05.2023</a:t>
             </a:fld>
             <a:endParaRPr lang="cs-CZ" dirty="0"/>
           </a:p>
@@ -4230,7 +4232,7 @@
             <a:fld id="{C426D6B7-6AAE-4978-AF22-38FE2E59CEB2}" type="datetime1">
               <a:rPr lang="cs-CZ" smtClean="0"/>
               <a:pPr/>
-              <a:t>06.05.2023</a:t>
+              <a:t>17.05.2023</a:t>
             </a:fld>
             <a:endParaRPr lang="cs-CZ" dirty="0"/>
           </a:p>
@@ -4854,7 +4856,7 @@
             <a:fld id="{7D0E752B-6572-436C-91E9-2D00E8BF5CDF}" type="datetime1">
               <a:rPr lang="cs-CZ" smtClean="0"/>
               <a:pPr/>
-              <a:t>06.05.2023</a:t>
+              <a:t>17.05.2023</a:t>
             </a:fld>
             <a:endParaRPr lang="cs-CZ" dirty="0"/>
           </a:p>
@@ -5425,6 +5427,313 @@
           <p:cNvPr id="2" name="Nadpis 1">
             <a:extLst>
               <a:ext uri="{FF2B5EF4-FFF2-40B4-BE49-F238E27FC236}">
+                <a16:creationId xmlns:a16="http://schemas.microsoft.com/office/drawing/2014/main" id="{40D6ADD2-4AB3-2148-2533-546AD3B9D8B1}"/>
+              </a:ext>
+            </a:extLst>
+          </p:cNvPr>
+          <p:cNvSpPr>
+            <a:spLocks noGrp="1"/>
+          </p:cNvSpPr>
+          <p:nvPr>
+            <p:ph type="title"/>
+          </p:nvPr>
+        </p:nvSpPr>
+        <p:spPr/>
+        <p:txBody>
+          <a:bodyPr>
+            <a:normAutofit/>
+          </a:bodyPr>
+          <a:lstStyle/>
+          <a:p>
+            <a:r>
+              <a:rPr lang="cs-CZ" sz="5400" dirty="0"/>
+              <a:t>O projektu</a:t>
+            </a:r>
+          </a:p>
+        </p:txBody>
+      </p:sp>
+      <p:sp>
+        <p:nvSpPr>
+          <p:cNvPr id="3" name="TextovéPole 2">
+            <a:extLst>
+              <a:ext uri="{FF2B5EF4-FFF2-40B4-BE49-F238E27FC236}">
+                <a16:creationId xmlns:a16="http://schemas.microsoft.com/office/drawing/2014/main" id="{80B279A1-B076-28D0-1C69-0EF36EC80796}"/>
+              </a:ext>
+            </a:extLst>
+          </p:cNvPr>
+          <p:cNvSpPr txBox="1"/>
+          <p:nvPr/>
+        </p:nvSpPr>
+        <p:spPr>
+          <a:xfrm>
+            <a:off x="1219999" y="2132856"/>
+            <a:ext cx="6192688" cy="3539430"/>
+          </a:xfrm>
+          <a:prstGeom prst="rect">
+            <a:avLst/>
+          </a:prstGeom>
+          <a:noFill/>
+        </p:spPr>
+        <p:txBody>
+          <a:bodyPr wrap="square" rtlCol="0">
+            <a:spAutoFit/>
+          </a:bodyPr>
+          <a:lstStyle/>
+          <a:p>
+            <a:pPr marL="457200" indent="-457200">
+              <a:buFont typeface="Arial" panose="020B0604020202020204" pitchFamily="34" charset="0"/>
+              <a:buChar char="•"/>
+            </a:pPr>
+            <a:r>
+              <a:rPr lang="cs-CZ" sz="2800" dirty="0" err="1"/>
+              <a:t>password</a:t>
+            </a:r>
+            <a:r>
+              <a:rPr lang="cs-CZ" sz="2800" dirty="0"/>
+              <a:t> manager</a:t>
+            </a:r>
+          </a:p>
+          <a:p>
+            <a:pPr marL="457200" indent="-457200">
+              <a:buFont typeface="Arial" panose="020B0604020202020204" pitchFamily="34" charset="0"/>
+              <a:buChar char="•"/>
+            </a:pPr>
+            <a:r>
+              <a:rPr lang="cs-CZ" sz="2800" dirty="0"/>
+              <a:t>dokáže </a:t>
+            </a:r>
+            <a:r>
+              <a:rPr lang="cs-CZ" sz="2800" u="sng" dirty="0"/>
+              <a:t>bezpečně</a:t>
+            </a:r>
+            <a:r>
+              <a:rPr lang="cs-CZ" sz="2800" dirty="0"/>
+              <a:t> uložit hesla</a:t>
+            </a:r>
+          </a:p>
+          <a:p>
+            <a:pPr marL="457200" indent="-457200">
+              <a:buFont typeface="Arial" panose="020B0604020202020204" pitchFamily="34" charset="0"/>
+              <a:buChar char="•"/>
+            </a:pPr>
+            <a:r>
+              <a:rPr lang="cs-CZ" sz="2800" dirty="0"/>
+              <a:t>hesla </a:t>
+            </a:r>
+            <a:r>
+              <a:rPr lang="cs-CZ" sz="2800" b="1" dirty="0"/>
+              <a:t>NEOPOUŠTÍ</a:t>
+            </a:r>
+            <a:r>
+              <a:rPr lang="cs-CZ" sz="2800" dirty="0"/>
+              <a:t> počítač uživatele</a:t>
+            </a:r>
+          </a:p>
+          <a:p>
+            <a:pPr marL="457200" indent="-457200">
+              <a:buFont typeface="Arial" panose="020B0604020202020204" pitchFamily="34" charset="0"/>
+              <a:buChar char="•"/>
+            </a:pPr>
+            <a:r>
+              <a:rPr lang="cs-CZ" sz="2800" dirty="0"/>
+              <a:t>open-source</a:t>
+            </a:r>
+          </a:p>
+          <a:p>
+            <a:pPr marL="457200" indent="-457200">
+              <a:buFont typeface="Arial" panose="020B0604020202020204" pitchFamily="34" charset="0"/>
+              <a:buChar char="•"/>
+            </a:pPr>
+            <a:r>
+              <a:rPr lang="cs-CZ" sz="2800" dirty="0"/>
+              <a:t>využité technologie</a:t>
+            </a:r>
+          </a:p>
+          <a:p>
+            <a:pPr marL="1066693" lvl="1" indent="-457200">
+              <a:buFont typeface="Arial" panose="020B0604020202020204" pitchFamily="34" charset="0"/>
+              <a:buChar char="•"/>
+            </a:pPr>
+            <a:r>
+              <a:rPr lang="cs-CZ" sz="2800" dirty="0"/>
+              <a:t>šifrování - AES</a:t>
+            </a:r>
+          </a:p>
+          <a:p>
+            <a:pPr marL="1066693" lvl="1" indent="-457200">
+              <a:buFont typeface="Arial" panose="020B0604020202020204" pitchFamily="34" charset="0"/>
+              <a:buChar char="•"/>
+            </a:pPr>
+            <a:r>
+              <a:rPr lang="cs-CZ" sz="2800" dirty="0"/>
+              <a:t>graf. rozhraní - </a:t>
+            </a:r>
+            <a:r>
+              <a:rPr lang="cs-CZ" sz="2800" dirty="0" err="1"/>
+              <a:t>WinForms</a:t>
+            </a:r>
+            <a:r>
+              <a:rPr lang="cs-CZ" sz="2800" dirty="0"/>
+              <a:t> – C#</a:t>
+            </a:r>
+          </a:p>
+          <a:p>
+            <a:pPr marL="1066693" lvl="1" indent="-457200">
+              <a:buFont typeface="Arial" panose="020B0604020202020204" pitchFamily="34" charset="0"/>
+              <a:buChar char="•"/>
+            </a:pPr>
+            <a:r>
+              <a:rPr lang="cs-CZ" sz="2800" dirty="0" err="1"/>
+              <a:t>hashování</a:t>
+            </a:r>
+            <a:r>
+              <a:rPr lang="cs-CZ" sz="2800" dirty="0"/>
+              <a:t> - SHA256</a:t>
+            </a:r>
+          </a:p>
+        </p:txBody>
+      </p:sp>
+      <p:pic>
+        <p:nvPicPr>
+          <p:cNvPr id="2050" name="Picture 2" descr="What makes us tick? How “big science” is helping us understand brain  development The Synergist">
+            <a:extLst>
+              <a:ext uri="{FF2B5EF4-FFF2-40B4-BE49-F238E27FC236}">
+                <a16:creationId xmlns:a16="http://schemas.microsoft.com/office/drawing/2014/main" id="{7D7846A7-B01B-2876-34A1-7FD763F68E1C}"/>
+              </a:ext>
+            </a:extLst>
+          </p:cNvPr>
+          <p:cNvPicPr>
+            <a:picLocks noChangeAspect="1" noChangeArrowheads="1"/>
+          </p:cNvPicPr>
+          <p:nvPr/>
+        </p:nvPicPr>
+        <p:blipFill>
+          <a:blip r:embed="rId2">
+            <a:extLst>
+              <a:ext uri="{28A0092B-C50C-407E-A947-70E740481C1C}">
+                <a14:useLocalDpi xmlns:a14="http://schemas.microsoft.com/office/drawing/2010/main" val="0"/>
+              </a:ext>
+            </a:extLst>
+          </a:blip>
+          <a:srcRect/>
+          <a:stretch>
+            <a:fillRect/>
+          </a:stretch>
+        </p:blipFill>
+        <p:spPr bwMode="auto">
+          <a:xfrm>
+            <a:off x="7606580" y="274637"/>
+            <a:ext cx="3861049" cy="3861049"/>
+          </a:xfrm>
+          <a:prstGeom prst="rect">
+            <a:avLst/>
+          </a:prstGeom>
+          <a:noFill/>
+          <a:extLst>
+            <a:ext uri="{909E8E84-426E-40DD-AFC4-6F175D3DCCD1}">
+              <a14:hiddenFill xmlns:a14="http://schemas.microsoft.com/office/drawing/2010/main">
+                <a:solidFill>
+                  <a:srgbClr val="FFFFFF"/>
+                </a:solidFill>
+              </a14:hiddenFill>
+            </a:ext>
+          </a:extLst>
+        </p:spPr>
+      </p:pic>
+      <p:pic>
+        <p:nvPicPr>
+          <p:cNvPr id="2052" name="Picture 4">
+            <a:extLst>
+              <a:ext uri="{FF2B5EF4-FFF2-40B4-BE49-F238E27FC236}">
+                <a16:creationId xmlns:a16="http://schemas.microsoft.com/office/drawing/2014/main" id="{F69F1C21-F625-1182-B732-94AED6862D0E}"/>
+              </a:ext>
+            </a:extLst>
+          </p:cNvPr>
+          <p:cNvPicPr>
+            <a:picLocks noChangeAspect="1" noChangeArrowheads="1"/>
+          </p:cNvPicPr>
+          <p:nvPr/>
+        </p:nvPicPr>
+        <p:blipFill>
+          <a:blip r:embed="rId3">
+            <a:extLst>
+              <a:ext uri="{28A0092B-C50C-407E-A947-70E740481C1C}">
+                <a14:useLocalDpi xmlns:a14="http://schemas.microsoft.com/office/drawing/2010/main" val="0"/>
+              </a:ext>
+            </a:extLst>
+          </a:blip>
+          <a:srcRect/>
+          <a:stretch>
+            <a:fillRect/>
+          </a:stretch>
+        </p:blipFill>
+        <p:spPr bwMode="auto">
+          <a:xfrm>
+            <a:off x="7794235" y="4153574"/>
+            <a:ext cx="3485737" cy="2614303"/>
+          </a:xfrm>
+          <a:prstGeom prst="rect">
+            <a:avLst/>
+          </a:prstGeom>
+          <a:noFill/>
+          <a:extLst>
+            <a:ext uri="{909E8E84-426E-40DD-AFC4-6F175D3DCCD1}">
+              <a14:hiddenFill xmlns:a14="http://schemas.microsoft.com/office/drawing/2010/main">
+                <a:solidFill>
+                  <a:srgbClr val="FFFFFF"/>
+                </a:solidFill>
+              </a14:hiddenFill>
+            </a:ext>
+          </a:extLst>
+        </p:spPr>
+      </p:pic>
+    </p:spTree>
+    <p:extLst>
+      <p:ext uri="{BB962C8B-B14F-4D97-AF65-F5344CB8AC3E}">
+        <p14:creationId xmlns:p14="http://schemas.microsoft.com/office/powerpoint/2010/main" val="1262671676"/>
+      </p:ext>
+    </p:extLst>
+  </p:cSld>
+  <p:clrMapOvr>
+    <a:masterClrMapping/>
+  </p:clrMapOvr>
+  <mc:AlternateContent xmlns:mc="http://schemas.openxmlformats.org/markup-compatibility/2006" xmlns:p14="http://schemas.microsoft.com/office/powerpoint/2010/main">
+    <mc:Choice Requires="p14">
+      <p:transition spd="med" p14:dur="700">
+        <p:fade/>
+      </p:transition>
+    </mc:Choice>
+    <mc:Fallback xmlns="">
+      <p:transition spd="med">
+        <p:fade/>
+      </p:transition>
+    </mc:Fallback>
+  </mc:AlternateContent>
+</p:sld>
+</file>
+
+<file path=ppt/slides/slide3.xml><?xml version="1.0" encoding="utf-8"?>
+<p:sld xmlns:a="http://schemas.openxmlformats.org/drawingml/2006/main" xmlns:r="http://schemas.openxmlformats.org/officeDocument/2006/relationships" xmlns:p="http://schemas.openxmlformats.org/presentationml/2006/main">
+  <p:cSld>
+    <p:spTree>
+      <p:nvGrpSpPr>
+        <p:cNvPr id="1" name=""/>
+        <p:cNvGrpSpPr/>
+        <p:nvPr/>
+      </p:nvGrpSpPr>
+      <p:grpSpPr>
+        <a:xfrm>
+          <a:off x="0" y="0"/>
+          <a:ext cx="0" cy="0"/>
+          <a:chOff x="0" y="0"/>
+          <a:chExt cx="0" cy="0"/>
+        </a:xfrm>
+      </p:grpSpPr>
+      <p:sp>
+        <p:nvSpPr>
+          <p:cNvPr id="2" name="Nadpis 1">
+            <a:extLst>
+              <a:ext uri="{FF2B5EF4-FFF2-40B4-BE49-F238E27FC236}">
                 <a16:creationId xmlns:a16="http://schemas.microsoft.com/office/drawing/2014/main" id="{F3E91A2B-78B7-C54B-A7BE-624115F318E6}"/>
               </a:ext>
             </a:extLst>
@@ -5503,7 +5812,7 @@
 </p:sld>
 </file>
 
-<file path=ppt/slides/slide3.xml><?xml version="1.0" encoding="utf-8"?>
+<file path=ppt/slides/slide4.xml><?xml version="1.0" encoding="utf-8"?>
 <p:sld xmlns:a="http://schemas.openxmlformats.org/drawingml/2006/main" xmlns:r="http://schemas.openxmlformats.org/officeDocument/2006/relationships" xmlns:p="http://schemas.openxmlformats.org/presentationml/2006/main">
   <p:cSld>
     <p:spTree>
@@ -6163,7 +6472,240 @@
 </p:sld>
 </file>
 
-<file path=ppt/slides/slide4.xml><?xml version="1.0" encoding="utf-8"?>
+<file path=ppt/slides/slide5.xml><?xml version="1.0" encoding="utf-8"?>
+<p:sld xmlns:a="http://schemas.openxmlformats.org/drawingml/2006/main" xmlns:r="http://schemas.openxmlformats.org/officeDocument/2006/relationships" xmlns:p="http://schemas.openxmlformats.org/presentationml/2006/main">
+  <p:cSld>
+    <p:spTree>
+      <p:nvGrpSpPr>
+        <p:cNvPr id="1" name=""/>
+        <p:cNvGrpSpPr/>
+        <p:nvPr/>
+      </p:nvGrpSpPr>
+      <p:grpSpPr>
+        <a:xfrm>
+          <a:off x="0" y="0"/>
+          <a:ext cx="0" cy="0"/>
+          <a:chOff x="0" y="0"/>
+          <a:chExt cx="0" cy="0"/>
+        </a:xfrm>
+      </p:grpSpPr>
+      <p:sp>
+        <p:nvSpPr>
+          <p:cNvPr id="2" name="Nadpis 1">
+            <a:extLst>
+              <a:ext uri="{FF2B5EF4-FFF2-40B4-BE49-F238E27FC236}">
+                <a16:creationId xmlns:a16="http://schemas.microsoft.com/office/drawing/2014/main" id="{B22B5977-BDD0-213D-7CB2-1910EF47FD58}"/>
+              </a:ext>
+            </a:extLst>
+          </p:cNvPr>
+          <p:cNvSpPr>
+            <a:spLocks noGrp="1"/>
+          </p:cNvSpPr>
+          <p:nvPr>
+            <p:ph type="title"/>
+          </p:nvPr>
+        </p:nvSpPr>
+        <p:spPr>
+          <a:xfrm>
+            <a:off x="1218883" y="274637"/>
+            <a:ext cx="10360501" cy="1223963"/>
+          </a:xfrm>
+        </p:spPr>
+        <p:txBody>
+          <a:bodyPr vert="horz" lIns="121899" tIns="60949" rIns="121899" bIns="60949" rtlCol="0" anchor="b">
+            <a:normAutofit/>
+          </a:bodyPr>
+          <a:lstStyle/>
+          <a:p>
+            <a:r>
+              <a:rPr lang="cs-CZ" b="1" kern="1200">
+                <a:latin typeface="+mj-lt"/>
+                <a:ea typeface="+mj-ea"/>
+                <a:cs typeface="+mj-cs"/>
+              </a:rPr>
+              <a:t>Budoucí rozvoj</a:t>
+            </a:r>
+          </a:p>
+        </p:txBody>
+      </p:sp>
+      <p:sp>
+        <p:nvSpPr>
+          <p:cNvPr id="3" name="TextovéPole 2">
+            <a:extLst>
+              <a:ext uri="{FF2B5EF4-FFF2-40B4-BE49-F238E27FC236}">
+                <a16:creationId xmlns:a16="http://schemas.microsoft.com/office/drawing/2014/main" id="{C1E055C1-0DF1-65BD-E836-B5821AE671A0}"/>
+              </a:ext>
+            </a:extLst>
+          </p:cNvPr>
+          <p:cNvSpPr txBox="1"/>
+          <p:nvPr/>
+        </p:nvSpPr>
+        <p:spPr>
+          <a:xfrm>
+            <a:off x="1218883" y="1706880"/>
+            <a:ext cx="5078677" cy="4465320"/>
+          </a:xfrm>
+          <a:prstGeom prst="rect">
+            <a:avLst/>
+          </a:prstGeom>
+        </p:spPr>
+        <p:txBody>
+          <a:bodyPr vert="horz" lIns="121899" tIns="60949" rIns="121899" bIns="60949" rtlCol="0">
+            <a:normAutofit/>
+          </a:bodyPr>
+          <a:lstStyle/>
+          <a:p>
+            <a:pPr marL="457200" indent="-457200">
+              <a:lnSpc>
+                <a:spcPct val="90000"/>
+              </a:lnSpc>
+              <a:spcAft>
+                <a:spcPts val="600"/>
+              </a:spcAft>
+              <a:buClr>
+                <a:schemeClr val="accent1"/>
+              </a:buClr>
+              <a:buFont typeface="Arial" pitchFamily="34" charset="0"/>
+              <a:buChar char="•"/>
+            </a:pPr>
+            <a:r>
+              <a:rPr lang="cs-CZ" sz="2800"/>
+              <a:t>více možností šifrování</a:t>
+            </a:r>
+          </a:p>
+          <a:p>
+            <a:pPr marL="457200" indent="-457200">
+              <a:lnSpc>
+                <a:spcPct val="90000"/>
+              </a:lnSpc>
+              <a:spcAft>
+                <a:spcPts val="600"/>
+              </a:spcAft>
+              <a:buClr>
+                <a:schemeClr val="accent1"/>
+              </a:buClr>
+              <a:buFont typeface="Arial" pitchFamily="34" charset="0"/>
+              <a:buChar char="•"/>
+            </a:pPr>
+            <a:r>
+              <a:rPr lang="cs-CZ" sz="2800"/>
+              <a:t>více faktorové ověření</a:t>
+            </a:r>
+          </a:p>
+          <a:p>
+            <a:pPr marL="457200" indent="-457200">
+              <a:lnSpc>
+                <a:spcPct val="90000"/>
+              </a:lnSpc>
+              <a:spcAft>
+                <a:spcPts val="600"/>
+              </a:spcAft>
+              <a:buClr>
+                <a:schemeClr val="accent1"/>
+              </a:buClr>
+              <a:buFont typeface="Arial" pitchFamily="34" charset="0"/>
+              <a:buChar char="•"/>
+            </a:pPr>
+            <a:r>
+              <a:rPr lang="cs-CZ" sz="2800"/>
+              <a:t>jednoduché sdílení hesel</a:t>
+            </a:r>
+          </a:p>
+          <a:p>
+            <a:pPr marL="457200" indent="-457200">
+              <a:lnSpc>
+                <a:spcPct val="90000"/>
+              </a:lnSpc>
+              <a:spcAft>
+                <a:spcPts val="600"/>
+              </a:spcAft>
+              <a:buClr>
+                <a:schemeClr val="accent1"/>
+              </a:buClr>
+              <a:buFont typeface="Arial" pitchFamily="34" charset="0"/>
+              <a:buChar char="•"/>
+            </a:pPr>
+            <a:r>
+              <a:rPr lang="cs-CZ" sz="2800"/>
+              <a:t>propojení s cloudem</a:t>
+            </a:r>
+          </a:p>
+        </p:txBody>
+      </p:sp>
+      <p:pic>
+        <p:nvPicPr>
+          <p:cNvPr id="1030" name="Picture 6" descr="What Are Stonks?">
+            <a:extLst>
+              <a:ext uri="{FF2B5EF4-FFF2-40B4-BE49-F238E27FC236}">
+                <a16:creationId xmlns:a16="http://schemas.microsoft.com/office/drawing/2014/main" id="{B9A8E67C-5FB8-3741-A239-D73E8087732B}"/>
+              </a:ext>
+            </a:extLst>
+          </p:cNvPr>
+          <p:cNvPicPr>
+            <a:picLocks noChangeAspect="1" noChangeArrowheads="1"/>
+          </p:cNvPicPr>
+          <p:nvPr/>
+        </p:nvPicPr>
+        <p:blipFill>
+          <a:blip r:embed="rId2">
+            <a:extLst>
+              <a:ext uri="{28A0092B-C50C-407E-A947-70E740481C1C}">
+                <a14:useLocalDpi xmlns:a14="http://schemas.microsoft.com/office/drawing/2010/main" val="0"/>
+              </a:ext>
+            </a:extLst>
+          </a:blip>
+          <a:stretch>
+            <a:fillRect/>
+          </a:stretch>
+        </p:blipFill>
+        <p:spPr bwMode="auto">
+          <a:xfrm>
+            <a:off x="5662364" y="886618"/>
+            <a:ext cx="6135264" cy="3451085"/>
+          </a:xfrm>
+          <a:prstGeom prst="rect">
+            <a:avLst/>
+          </a:prstGeom>
+          <a:solidFill>
+            <a:srgbClr val="FFFFFF"/>
+          </a:solidFill>
+          <a:extLst>
+            <a:ext uri="{909E8E84-426E-40DD-AFC4-6F175D3DCCD1}">
+              <a14:hiddenFill xmlns:a14="http://schemas.microsoft.com/office/drawing/2010/main">
+                <a:solidFill>
+                  <a:srgbClr val="FFFFFF"/>
+                </a:solidFill>
+              </a14:hiddenFill>
+            </a:ext>
+          </a:extLst>
+        </p:spPr>
+      </p:pic>
+    </p:spTree>
+    <p:extLst>
+      <p:ext uri="{BB962C8B-B14F-4D97-AF65-F5344CB8AC3E}">
+        <p14:creationId xmlns:p14="http://schemas.microsoft.com/office/powerpoint/2010/main" val="400565016"/>
+      </p:ext>
+    </p:extLst>
+  </p:cSld>
+  <p:clrMapOvr>
+    <a:masterClrMapping/>
+  </p:clrMapOvr>
+  <mc:AlternateContent xmlns:mc="http://schemas.openxmlformats.org/markup-compatibility/2006" xmlns:p14="http://schemas.microsoft.com/office/powerpoint/2010/main">
+    <mc:Choice Requires="p14">
+      <p:transition spd="med" p14:dur="700">
+        <p:fade/>
+      </p:transition>
+    </mc:Choice>
+    <mc:Fallback xmlns="">
+      <p:transition spd="med">
+        <p:fade/>
+      </p:transition>
+    </mc:Fallback>
+  </mc:AlternateContent>
+</p:sld>
+</file>
+
+<file path=ppt/slides/slide6.xml><?xml version="1.0" encoding="utf-8"?>
 <p:sld xmlns:a="http://schemas.openxmlformats.org/drawingml/2006/main" xmlns:r="http://schemas.openxmlformats.org/officeDocument/2006/relationships" xmlns:p="http://schemas.openxmlformats.org/presentationml/2006/main">
   <p:cSld>
     <p:spTree>
@@ -7192,6 +7734,15 @@
 </file>
 
 <file path=customXml/item1.xml><?xml version="1.0" encoding="utf-8"?>
+<?mso-contentType ?>
+<FormTemplates xmlns="http://schemas.microsoft.com/sharepoint/v3/contenttype/forms">
+  <Display>DocumentLibraryForm</Display>
+  <Edit>AssetEditForm</Edit>
+  <New>DocumentLibraryForm</New>
+</FormTemplates>
+</file>
+
+<file path=customXml/item2.xml><?xml version="1.0" encoding="utf-8"?>
 <p:properties xmlns:p="http://schemas.microsoft.com/office/2006/metadata/properties" xmlns:xsi="http://www.w3.org/2001/XMLSchema-instance" xmlns:pc="http://schemas.microsoft.com/office/infopath/2007/PartnerControls">
   <documentManagement>
     <LocPublishedLinkedAssetsLookup xmlns="4873beb7-5857-4685-be1f-d57550cc96cc" xsi:nil="true"/>
@@ -7325,15 +7876,6 @@
     <LocMarketGroupTiers2 xmlns="4873beb7-5857-4685-be1f-d57550cc96cc" xsi:nil="true"/>
   </documentManagement>
 </p:properties>
-</file>
-
-<file path=customXml/item2.xml><?xml version="1.0" encoding="utf-8"?>
-<?mso-contentType ?>
-<FormTemplates xmlns="http://schemas.microsoft.com/sharepoint/v3/contenttype/forms">
-  <Display>DocumentLibraryForm</Display>
-  <Edit>AssetEditForm</Edit>
-  <New>DocumentLibraryForm</New>
-</FormTemplates>
 </file>
 
 <file path=customXml/item3.xml><?xml version="1.0" encoding="utf-8"?>
@@ -8377,6 +8919,14 @@
 </file>
 
 <file path=customXml/itemProps1.xml><?xml version="1.0" encoding="utf-8"?>
+<ds:datastoreItem xmlns:ds="http://schemas.openxmlformats.org/officeDocument/2006/customXml" ds:itemID="{3836F65B-1B07-41EE-A0E8-BC6EF3855225}">
+  <ds:schemaRefs>
+    <ds:schemaRef ds:uri="http://schemas.microsoft.com/sharepoint/v3/contenttype/forms"/>
+  </ds:schemaRefs>
+</ds:datastoreItem>
+</file>
+
+<file path=customXml/itemProps2.xml><?xml version="1.0" encoding="utf-8"?>
 <ds:datastoreItem xmlns:ds="http://schemas.openxmlformats.org/officeDocument/2006/customXml" ds:itemID="{60C67BEE-D13F-4BD2-98A5-34D8A0977F68}">
   <ds:schemaRefs>
     <ds:schemaRef ds:uri="4873beb7-5857-4685-be1f-d57550cc96cc"/>
@@ -8388,14 +8938,6 @@
     <ds:schemaRef ds:uri="http://schemas.microsoft.com/office/infopath/2007/PartnerControls"/>
     <ds:schemaRef ds:uri="http://www.w3.org/XML/1998/namespace"/>
     <ds:schemaRef ds:uri="http://purl.org/dc/dcmitype/"/>
-  </ds:schemaRefs>
-</ds:datastoreItem>
-</file>
-
-<file path=customXml/itemProps2.xml><?xml version="1.0" encoding="utf-8"?>
-<ds:datastoreItem xmlns:ds="http://schemas.openxmlformats.org/officeDocument/2006/customXml" ds:itemID="{3836F65B-1B07-41EE-A0E8-BC6EF3855225}">
-  <ds:schemaRefs>
-    <ds:schemaRef ds:uri="http://schemas.microsoft.com/sharepoint/v3/contenttype/forms"/>
   </ds:schemaRefs>
 </ds:datastoreItem>
 </file>
